--- a/Document/3팀 최종발표.pptx
+++ b/Document/3팀 최종발표.pptx
@@ -5678,7 +5678,7 @@
         </p:blipFill>
         <p:spPr>
           <a:xfrm>
-            <a:off x="8438710" y="1407059"/>
+            <a:off x="8891292" y="1407057"/>
             <a:ext cx="2940749" cy="5024661"/>
           </a:xfrm>
           <a:prstGeom prst="rect">
@@ -5714,7 +5714,7 @@
         </p:blipFill>
         <p:spPr>
           <a:xfrm>
-            <a:off x="807337" y="1407057"/>
+            <a:off x="359959" y="1407057"/>
             <a:ext cx="2945953" cy="4996669"/>
           </a:xfrm>
           <a:prstGeom prst="rect">
@@ -5722,6 +5722,149 @@
           </a:prstGeom>
         </p:spPr>
       </p:pic>
+      <p:pic>
+        <p:nvPicPr>
+          <p:cNvPr id="8" name="그림 7">
+            <a:extLst>
+              <a:ext uri="{FF2B5EF4-FFF2-40B4-BE49-F238E27FC236}">
+                <a16:creationId xmlns:a16="http://schemas.microsoft.com/office/drawing/2014/main" id="{62CBF420-E3B2-65C4-A266-BC874CF6479B}"/>
+              </a:ext>
+            </a:extLst>
+          </p:cNvPr>
+          <p:cNvPicPr>
+            <a:picLocks noChangeAspect="1"/>
+          </p:cNvPicPr>
+          <p:nvPr/>
+        </p:nvPicPr>
+        <p:blipFill>
+          <a:blip r:embed="rId6" cstate="screen">
+            <a:extLst>
+              <a:ext uri="{28A0092B-C50C-407E-A947-70E740481C1C}">
+                <a14:useLocalDpi xmlns:a14="http://schemas.microsoft.com/office/drawing/2010/main" val="0"/>
+              </a:ext>
+            </a:extLst>
+          </a:blip>
+          <a:stretch>
+            <a:fillRect/>
+          </a:stretch>
+        </p:blipFill>
+        <p:spPr>
+          <a:xfrm>
+            <a:off x="7967223" y="4245610"/>
+            <a:ext cx="523220" cy="523220"/>
+          </a:xfrm>
+          <a:prstGeom prst="rect">
+            <a:avLst/>
+          </a:prstGeom>
+        </p:spPr>
+      </p:pic>
+      <p:pic>
+        <p:nvPicPr>
+          <p:cNvPr id="9" name="그림 8">
+            <a:extLst>
+              <a:ext uri="{FF2B5EF4-FFF2-40B4-BE49-F238E27FC236}">
+                <a16:creationId xmlns:a16="http://schemas.microsoft.com/office/drawing/2014/main" id="{5C9553E4-DFDD-6CE8-EF8A-B7CAA1D9DDC0}"/>
+              </a:ext>
+            </a:extLst>
+          </p:cNvPr>
+          <p:cNvPicPr>
+            <a:picLocks noChangeAspect="1"/>
+          </p:cNvPicPr>
+          <p:nvPr/>
+        </p:nvPicPr>
+        <p:blipFill>
+          <a:blip r:embed="rId6" cstate="screen">
+            <a:extLst>
+              <a:ext uri="{28A0092B-C50C-407E-A947-70E740481C1C}">
+                <a14:useLocalDpi xmlns:a14="http://schemas.microsoft.com/office/drawing/2010/main" val="0"/>
+              </a:ext>
+            </a:extLst>
+          </a:blip>
+          <a:stretch>
+            <a:fillRect/>
+          </a:stretch>
+        </p:blipFill>
+        <p:spPr>
+          <a:xfrm rot="10800000">
+            <a:off x="3701557" y="3722390"/>
+            <a:ext cx="523220" cy="523220"/>
+          </a:xfrm>
+          <a:prstGeom prst="rect">
+            <a:avLst/>
+          </a:prstGeom>
+        </p:spPr>
+      </p:pic>
+      <p:sp>
+        <p:nvSpPr>
+          <p:cNvPr id="16" name="TextBox 15">
+            <a:extLst>
+              <a:ext uri="{FF2B5EF4-FFF2-40B4-BE49-F238E27FC236}">
+                <a16:creationId xmlns:a16="http://schemas.microsoft.com/office/drawing/2014/main" id="{7C8B97B9-DEAB-A5D4-E470-260C85697FE1}"/>
+              </a:ext>
+            </a:extLst>
+          </p:cNvPr>
+          <p:cNvSpPr txBox="1"/>
+          <p:nvPr/>
+        </p:nvSpPr>
+        <p:spPr>
+          <a:xfrm>
+            <a:off x="3554975" y="3226878"/>
+            <a:ext cx="928771" cy="523220"/>
+          </a:xfrm>
+          <a:prstGeom prst="rect">
+            <a:avLst/>
+          </a:prstGeom>
+          <a:noFill/>
+        </p:spPr>
+        <p:txBody>
+          <a:bodyPr wrap="square" rtlCol="0">
+            <a:spAutoFit/>
+          </a:bodyPr>
+          <a:lstStyle/>
+          <a:p>
+            <a:r>
+              <a:rPr lang="ko-KR" altLang="en-US" sz="2800" b="1" dirty="0"/>
+              <a:t>노선</a:t>
+            </a:r>
+          </a:p>
+        </p:txBody>
+      </p:sp>
+      <p:sp>
+        <p:nvSpPr>
+          <p:cNvPr id="17" name="TextBox 16">
+            <a:extLst>
+              <a:ext uri="{FF2B5EF4-FFF2-40B4-BE49-F238E27FC236}">
+                <a16:creationId xmlns:a16="http://schemas.microsoft.com/office/drawing/2014/main" id="{D328DEE9-895C-E7C9-0191-BC0DF478C960}"/>
+              </a:ext>
+            </a:extLst>
+          </p:cNvPr>
+          <p:cNvSpPr txBox="1"/>
+          <p:nvPr/>
+        </p:nvSpPr>
+        <p:spPr>
+          <a:xfrm>
+            <a:off x="7588294" y="4768830"/>
+            <a:ext cx="1297794" cy="523220"/>
+          </a:xfrm>
+          <a:prstGeom prst="rect">
+            <a:avLst/>
+          </a:prstGeom>
+          <a:noFill/>
+        </p:spPr>
+        <p:txBody>
+          <a:bodyPr wrap="square" rtlCol="0">
+            <a:spAutoFit/>
+          </a:bodyPr>
+          <a:lstStyle/>
+          <a:p>
+            <a:r>
+              <a:rPr lang="ko-KR" altLang="en-US" sz="2800" b="1"/>
+              <a:t>정류소</a:t>
+            </a:r>
+            <a:endParaRPr lang="ko-KR" altLang="en-US" sz="2800" b="1" dirty="0"/>
+          </a:p>
+        </p:txBody>
+      </p:sp>
     </p:spTree>
     <p:extLst>
       <p:ext uri="{BB962C8B-B14F-4D97-AF65-F5344CB8AC3E}">
@@ -6099,7 +6242,7 @@
         </p:blipFill>
         <p:spPr>
           <a:xfrm>
-            <a:off x="8491964" y="1421786"/>
+            <a:off x="8918343" y="1387312"/>
             <a:ext cx="2643329" cy="4519239"/>
           </a:xfrm>
           <a:prstGeom prst="rect">
@@ -6135,8 +6278,80 @@
         </p:blipFill>
         <p:spPr>
           <a:xfrm>
-            <a:off x="1087396" y="1400984"/>
+            <a:off x="565150" y="1400985"/>
             <a:ext cx="2599894" cy="4410951"/>
+          </a:xfrm>
+          <a:prstGeom prst="rect">
+            <a:avLst/>
+          </a:prstGeom>
+        </p:spPr>
+      </p:pic>
+      <p:pic>
+        <p:nvPicPr>
+          <p:cNvPr id="4" name="그림 3">
+            <a:extLst>
+              <a:ext uri="{FF2B5EF4-FFF2-40B4-BE49-F238E27FC236}">
+                <a16:creationId xmlns:a16="http://schemas.microsoft.com/office/drawing/2014/main" id="{4FCF3746-12EB-7DFD-1589-115C69CB6497}"/>
+              </a:ext>
+            </a:extLst>
+          </p:cNvPr>
+          <p:cNvPicPr>
+            <a:picLocks noChangeAspect="1"/>
+          </p:cNvPicPr>
+          <p:nvPr/>
+        </p:nvPicPr>
+        <p:blipFill>
+          <a:blip r:embed="rId6" cstate="screen">
+            <a:extLst>
+              <a:ext uri="{28A0092B-C50C-407E-A947-70E740481C1C}">
+                <a14:useLocalDpi xmlns:a14="http://schemas.microsoft.com/office/drawing/2010/main" val="0"/>
+              </a:ext>
+            </a:extLst>
+          </a:blip>
+          <a:stretch>
+            <a:fillRect/>
+          </a:stretch>
+        </p:blipFill>
+        <p:spPr>
+          <a:xfrm>
+            <a:off x="3640172" y="3601372"/>
+            <a:ext cx="523220" cy="523220"/>
+          </a:xfrm>
+          <a:prstGeom prst="rect">
+            <a:avLst/>
+          </a:prstGeom>
+        </p:spPr>
+      </p:pic>
+      <p:pic>
+        <p:nvPicPr>
+          <p:cNvPr id="7" name="그림 6">
+            <a:extLst>
+              <a:ext uri="{FF2B5EF4-FFF2-40B4-BE49-F238E27FC236}">
+                <a16:creationId xmlns:a16="http://schemas.microsoft.com/office/drawing/2014/main" id="{D0450CF5-2C7B-4231-1E68-4947C73D4475}"/>
+              </a:ext>
+            </a:extLst>
+          </p:cNvPr>
+          <p:cNvPicPr>
+            <a:picLocks noChangeAspect="1"/>
+          </p:cNvPicPr>
+          <p:nvPr/>
+        </p:nvPicPr>
+        <p:blipFill>
+          <a:blip r:embed="rId6" cstate="screen">
+            <a:extLst>
+              <a:ext uri="{28A0092B-C50C-407E-A947-70E740481C1C}">
+                <a14:useLocalDpi xmlns:a14="http://schemas.microsoft.com/office/drawing/2010/main" val="0"/>
+              </a:ext>
+            </a:extLst>
+          </a:blip>
+          <a:stretch>
+            <a:fillRect/>
+          </a:stretch>
+        </p:blipFill>
+        <p:spPr>
+          <a:xfrm>
+            <a:off x="7853511" y="3601372"/>
+            <a:ext cx="523220" cy="523220"/>
           </a:xfrm>
           <a:prstGeom prst="rect">
             <a:avLst/>
@@ -6558,6 +6773,78 @@
           <a:xfrm>
             <a:off x="8450532" y="1466115"/>
             <a:ext cx="2664862" cy="4521175"/>
+          </a:xfrm>
+          <a:prstGeom prst="rect">
+            <a:avLst/>
+          </a:prstGeom>
+        </p:spPr>
+      </p:pic>
+      <p:pic>
+        <p:nvPicPr>
+          <p:cNvPr id="4" name="그림 3">
+            <a:extLst>
+              <a:ext uri="{FF2B5EF4-FFF2-40B4-BE49-F238E27FC236}">
+                <a16:creationId xmlns:a16="http://schemas.microsoft.com/office/drawing/2014/main" id="{8C9C6918-8F95-4858-76E2-BF530C2CCE59}"/>
+              </a:ext>
+            </a:extLst>
+          </p:cNvPr>
+          <p:cNvPicPr>
+            <a:picLocks noChangeAspect="1"/>
+          </p:cNvPicPr>
+          <p:nvPr/>
+        </p:nvPicPr>
+        <p:blipFill>
+          <a:blip r:embed="rId6" cstate="screen">
+            <a:extLst>
+              <a:ext uri="{28A0092B-C50C-407E-A947-70E740481C1C}">
+                <a14:useLocalDpi xmlns:a14="http://schemas.microsoft.com/office/drawing/2010/main" val="0"/>
+              </a:ext>
+            </a:extLst>
+          </a:blip>
+          <a:stretch>
+            <a:fillRect/>
+          </a:stretch>
+        </p:blipFill>
+        <p:spPr>
+          <a:xfrm>
+            <a:off x="3824914" y="3467842"/>
+            <a:ext cx="523220" cy="523220"/>
+          </a:xfrm>
+          <a:prstGeom prst="rect">
+            <a:avLst/>
+          </a:prstGeom>
+        </p:spPr>
+      </p:pic>
+      <p:pic>
+        <p:nvPicPr>
+          <p:cNvPr id="8" name="그림 7">
+            <a:extLst>
+              <a:ext uri="{FF2B5EF4-FFF2-40B4-BE49-F238E27FC236}">
+                <a16:creationId xmlns:a16="http://schemas.microsoft.com/office/drawing/2014/main" id="{79062BA4-E5D3-4CFA-2956-A6101CB0F7DE}"/>
+              </a:ext>
+            </a:extLst>
+          </p:cNvPr>
+          <p:cNvPicPr>
+            <a:picLocks noChangeAspect="1"/>
+          </p:cNvPicPr>
+          <p:nvPr/>
+        </p:nvPicPr>
+        <p:blipFill>
+          <a:blip r:embed="rId6" cstate="screen">
+            <a:extLst>
+              <a:ext uri="{28A0092B-C50C-407E-A947-70E740481C1C}">
+                <a14:useLocalDpi xmlns:a14="http://schemas.microsoft.com/office/drawing/2010/main" val="0"/>
+              </a:ext>
+            </a:extLst>
+          </a:blip>
+          <a:stretch>
+            <a:fillRect/>
+          </a:stretch>
+        </p:blipFill>
+        <p:spPr>
+          <a:xfrm>
+            <a:off x="7541692" y="3429000"/>
+            <a:ext cx="523220" cy="523220"/>
           </a:xfrm>
           <a:prstGeom prst="rect">
             <a:avLst/>
